--- a/translations/pt/lessons/ManagingProjects.pptx
+++ b/translations/pt/lessons/ManagingProjects.pptx
@@ -220,7 +220,7 @@
           <a:p>
             <a:fld id="{58040048-1E4D-CD41-AC49-0750EB72586B}" type="datetimeFigureOut">
               <a:rPr lang="en-US" smtClean="0"/>
-              <a:t>01/08/2020</a:t>
+              <a:t>6/6/2020</a:t>
             </a:fld>
             <a:endParaRPr lang="en-US"/>
           </a:p>
@@ -286,7 +286,7 @@
           <a:p>
             <a:fld id="{760592D1-055B-824F-99E1-F69F9F11B539}" type="slidenum">
               <a:rPr lang="en-US" smtClean="0"/>
-              <a:t>‹#›</a:t>
+              <a:t>‹nº›</a:t>
             </a:fld>
             <a:endParaRPr lang="en-US"/>
           </a:p>
@@ -386,7 +386,7 @@
           <a:p>
             <a:fld id="{2B8484CF-5098-F24E-8881-583515D5C406}" type="datetimeFigureOut">
               <a:rPr lang="en-US" smtClean="0"/>
-              <a:t>01/08/2020</a:t>
+              <a:t>6/6/2020</a:t>
             </a:fld>
             <a:endParaRPr lang="en-US"/>
           </a:p>
@@ -544,7 +544,7 @@
           <a:p>
             <a:fld id="{A6B67714-547E-8A4E-AE1C-9E3378A836DF}" type="slidenum">
               <a:rPr lang="en-US" smtClean="0"/>
-              <a:t>‹#›</a:t>
+              <a:t>‹nº›</a:t>
             </a:fld>
             <a:endParaRPr lang="en-US"/>
           </a:p>
@@ -1613,7 +1613,7 @@
           <a:p>
             <a:fld id="{BBD74847-7BE4-4E4D-8159-51DF7B93C616}" type="slidenum">
               <a:rPr lang="en-US" smtClean="0"/>
-              <a:t>‹#›</a:t>
+              <a:t>‹nº›</a:t>
             </a:fld>
             <a:endParaRPr lang="en-US"/>
           </a:p>
@@ -1878,7 +1878,7 @@
           <a:p>
             <a:fld id="{BBD74847-7BE4-4E4D-8159-51DF7B93C616}" type="slidenum">
               <a:rPr lang="en-US" smtClean="0"/>
-              <a:t>‹#›</a:t>
+              <a:t>‹nº›</a:t>
             </a:fld>
             <a:endParaRPr lang="en-US"/>
           </a:p>
@@ -2113,7 +2113,7 @@
           <a:p>
             <a:fld id="{BBD74847-7BE4-4E4D-8159-51DF7B93C616}" type="slidenum">
               <a:rPr lang="en-US" smtClean="0"/>
-              <a:t>‹#›</a:t>
+              <a:t>‹nº›</a:t>
             </a:fld>
             <a:endParaRPr lang="en-US"/>
           </a:p>
@@ -2497,7 +2497,7 @@
           <a:p>
             <a:fld id="{BBD74847-7BE4-4E4D-8159-51DF7B93C616}" type="slidenum">
               <a:rPr lang="en-US" smtClean="0"/>
-              <a:t>‹#›</a:t>
+              <a:t>‹nº›</a:t>
             </a:fld>
             <a:endParaRPr lang="en-US"/>
           </a:p>
@@ -2911,7 +2911,7 @@
           <a:p>
             <a:fld id="{BBD74847-7BE4-4E4D-8159-51DF7B93C616}" type="slidenum">
               <a:rPr lang="en-US" smtClean="0"/>
-              <a:t>‹#›</a:t>
+              <a:t>‹nº›</a:t>
             </a:fld>
             <a:endParaRPr lang="en-US"/>
           </a:p>
@@ -3420,7 +3420,7 @@
           <a:p>
             <a:fld id="{BBD74847-7BE4-4E4D-8159-51DF7B93C616}" type="slidenum">
               <a:rPr lang="en-US" smtClean="0"/>
-              <a:t>‹#›</a:t>
+              <a:t>‹nº›</a:t>
             </a:fld>
             <a:endParaRPr lang="en-US"/>
           </a:p>
@@ -3618,7 +3618,7 @@
           <a:p>
             <a:fld id="{BBD74847-7BE4-4E4D-8159-51DF7B93C616}" type="slidenum">
               <a:rPr lang="en-US" smtClean="0"/>
-              <a:t>‹#›</a:t>
+              <a:t>‹nº›</a:t>
             </a:fld>
             <a:endParaRPr lang="en-US"/>
           </a:p>
@@ -3909,7 +3909,7 @@
           <a:p>
             <a:fld id="{BBD74847-7BE4-4E4D-8159-51DF7B93C616}" type="slidenum">
               <a:rPr lang="en-US" smtClean="0"/>
-              <a:t>‹#›</a:t>
+              <a:t>‹nº›</a:t>
             </a:fld>
             <a:endParaRPr lang="en-US"/>
           </a:p>
@@ -4405,7 +4405,7 @@
           <a:p>
             <a:fld id="{BBD74847-7BE4-4E4D-8159-51DF7B93C616}" type="slidenum">
               <a:rPr lang="en-US" smtClean="0"/>
-              <a:t>‹#›</a:t>
+              <a:t>‹nº›</a:t>
             </a:fld>
             <a:endParaRPr lang="en-US"/>
           </a:p>
@@ -4696,7 +4696,7 @@
           <a:p>
             <a:fld id="{BBD74847-7BE4-4E4D-8159-51DF7B93C616}" type="slidenum">
               <a:rPr lang="en-US" smtClean="0"/>
-              <a:t>‹#›</a:t>
+              <a:t>‹nº›</a:t>
             </a:fld>
             <a:endParaRPr lang="en-US"/>
           </a:p>
@@ -5027,7 +5027,7 @@
             <a:fld id="{BBD74847-7BE4-4E4D-8159-51DF7B93C616}" type="slidenum">
               <a:rPr lang="en-US" smtClean="0"/>
               <a:pPr/>
-              <a:t>‹#›</a:t>
+              <a:t>‹nº›</a:t>
             </a:fld>
             <a:endParaRPr lang="en-US"/>
           </a:p>
@@ -5502,9 +5502,18 @@
           <a:lstStyle/>
           <a:p>
             <a:r>
+              <a:rPr lang="en-US" dirty="0" err="1"/>
+              <a:t>Gerenciando</a:t>
+            </a:r>
+            <a:r>
               <a:rPr lang="en-US" dirty="0"/>
-              <a:t>Managing Projects</a:t>
-            </a:r>
+              <a:t> </a:t>
+            </a:r>
+            <a:r>
+              <a:rPr lang="en-US" dirty="0" err="1"/>
+              <a:t>projetos</a:t>
+            </a:r>
+            <a:endParaRPr lang="en-US" dirty="0"/>
           </a:p>
         </p:txBody>
       </p:sp>
@@ -5531,7 +5540,7 @@
           <a:p>
             <a:r>
               <a:rPr lang="en-US" dirty="0"/>
-              <a:t>BY SANJAY AND ARVIND SESHAN</a:t>
+              <a:t>por SANJAY e ARVIND SESHAN</a:t>
             </a:r>
           </a:p>
         </p:txBody>
@@ -5582,9 +5591,10 @@
           <a:lstStyle/>
           <a:p>
             <a:r>
-              <a:rPr lang="en-US" dirty="0"/>
-              <a:t>CREDITS</a:t>
-            </a:r>
+              <a:rPr lang="en-US" dirty="0" err="1"/>
+              <a:t>CRéditos</a:t>
+            </a:r>
+            <a:endParaRPr lang="en-US" dirty="0"/>
           </a:p>
         </p:txBody>
       </p:sp>
@@ -5611,15 +5621,101 @@
           <a:lstStyle/>
           <a:p>
             <a:r>
+              <a:rPr lang="en-US" sz="1600" dirty="0" err="1"/>
+              <a:t>Esse</a:t>
+            </a:r>
+            <a:r>
               <a:rPr lang="en-US" sz="1600" dirty="0"/>
-              <a:t>This lesson was created by Sanjay Seshan and Arvind Seshan for SPIKE Prime Lessons</a:t>
-            </a:r>
-          </a:p>
-          <a:p>
+              <a:t> tutorial </a:t>
+            </a:r>
+            <a:r>
+              <a:rPr lang="en-US" sz="1600" dirty="0" err="1"/>
+              <a:t>foi</a:t>
+            </a:r>
             <a:r>
               <a:rPr lang="en-US" sz="1600" dirty="0"/>
-              <a:t>More lessons are available at www.primelessons.org</a:t>
-            </a:r>
+              <a:t> </a:t>
+            </a:r>
+            <a:r>
+              <a:rPr lang="en-US" sz="1600" dirty="0" err="1"/>
+              <a:t>criado</a:t>
+            </a:r>
+            <a:r>
+              <a:rPr lang="en-US" sz="1600" dirty="0"/>
+              <a:t> por Sanjay </a:t>
+            </a:r>
+            <a:r>
+              <a:rPr lang="en-US" sz="1600" dirty="0" err="1"/>
+              <a:t>Seshan</a:t>
+            </a:r>
+            <a:r>
+              <a:rPr lang="en-US" sz="1600" dirty="0"/>
+              <a:t> e Arvind </a:t>
+            </a:r>
+            <a:r>
+              <a:rPr lang="en-US" sz="1600" dirty="0" err="1"/>
+              <a:t>Seshan</a:t>
+            </a:r>
+            <a:r>
+              <a:rPr lang="en-US" sz="1600" dirty="0"/>
+              <a:t> para SPIKE Prime Lessons</a:t>
+            </a:r>
+          </a:p>
+          <a:p>
+            <a:r>
+              <a:rPr lang="en-US" sz="1600" dirty="0" err="1"/>
+              <a:t>Mais</a:t>
+            </a:r>
+            <a:r>
+              <a:rPr lang="en-US" sz="1600" dirty="0"/>
+              <a:t> </a:t>
+            </a:r>
+            <a:r>
+              <a:rPr lang="en-US" sz="1600" dirty="0" err="1"/>
+              <a:t>tutorias</a:t>
+            </a:r>
+            <a:r>
+              <a:rPr lang="en-US" sz="1600" dirty="0"/>
+              <a:t> </a:t>
+            </a:r>
+            <a:r>
+              <a:rPr lang="en-US" sz="1600" dirty="0" err="1"/>
+              <a:t>em</a:t>
+            </a:r>
+            <a:r>
+              <a:rPr lang="en-US" sz="1600" dirty="0"/>
+              <a:t> </a:t>
+            </a:r>
+            <a:r>
+              <a:rPr lang="en-US" sz="1600" dirty="0">
+                <a:hlinkClick r:id="rId2"/>
+              </a:rPr>
+              <a:t>www.primelessons.org</a:t>
+            </a:r>
+            <a:endParaRPr lang="en-US" sz="1600" dirty="0"/>
+          </a:p>
+          <a:p>
+            <a:r>
+              <a:rPr lang="en-US" sz="1600" dirty="0" err="1"/>
+              <a:t>Traduzido</a:t>
+            </a:r>
+            <a:r>
+              <a:rPr lang="en-US" sz="1600" dirty="0"/>
+              <a:t> para o </a:t>
+            </a:r>
+            <a:r>
+              <a:rPr lang="en-US" sz="1600" dirty="0" err="1"/>
+              <a:t>português</a:t>
+            </a:r>
+            <a:r>
+              <a:rPr lang="en-US" sz="1600" dirty="0"/>
+              <a:t> por </a:t>
+            </a:r>
+            <a:r>
+              <a:rPr lang="en-US" sz="1600"/>
+              <a:t>Lucas Colonna</a:t>
+            </a:r>
+            <a:endParaRPr lang="en-US" sz="1600" dirty="0"/>
           </a:p>
         </p:txBody>
       </p:sp>
@@ -5889,7 +5985,7 @@
                 </a:solidFill>
                 <a:effectLst/>
                 <a:latin typeface="Helvetica Neue"/>
-                <a:hlinkClick r:id="rId2"/>
+                <a:hlinkClick r:id="rId3"/>
               </a:rPr>
               <a:t>Creative Commons Attribution-</a:t>
             </a:r>
@@ -5903,7 +5999,7 @@
                 </a:solidFill>
                 <a:effectLst/>
                 <a:latin typeface="Helvetica Neue"/>
-                <a:hlinkClick r:id="rId2"/>
+                <a:hlinkClick r:id="rId3"/>
               </a:rPr>
               <a:t>NonCommercial</a:t>
             </a:r>
@@ -5917,7 +6013,7 @@
                 </a:solidFill>
                 <a:effectLst/>
                 <a:latin typeface="Helvetica Neue"/>
-                <a:hlinkClick r:id="rId2"/>
+                <a:hlinkClick r:id="rId3"/>
               </a:rPr>
               <a:t>-</a:t>
             </a:r>
@@ -5931,7 +6027,7 @@
                 </a:solidFill>
                 <a:effectLst/>
                 <a:latin typeface="Helvetica Neue"/>
-                <a:hlinkClick r:id="rId2"/>
+                <a:hlinkClick r:id="rId3"/>
               </a:rPr>
               <a:t>ShareAlike</a:t>
             </a:r>
@@ -5945,7 +6041,7 @@
                 </a:solidFill>
                 <a:effectLst/>
                 <a:latin typeface="Helvetica Neue"/>
-                <a:hlinkClick r:id="rId2"/>
+                <a:hlinkClick r:id="rId3"/>
               </a:rPr>
               <a:t> 4.0 International License</a:t>
             </a:r>
@@ -5990,7 +6086,7 @@
       <p:pic>
         <p:nvPicPr>
           <p:cNvPr id="6" name="Picture 5" descr="Creative Commons License">
-            <a:hlinkClick r:id="rId2"/>
+            <a:hlinkClick r:id="rId3"/>
           </p:cNvPr>
           <p:cNvPicPr>
             <a:picLocks noChangeAspect="1" noChangeArrowheads="1"/>
@@ -5998,7 +6094,7 @@
           <p:nvPr/>
         </p:nvPicPr>
         <p:blipFill>
-          <a:blip r:embed="rId3">
+          <a:blip r:embed="rId4">
             <a:extLst>
               <a:ext uri="{28A0092B-C50C-407E-A947-70E740481C1C}">
                 <a14:useLocalDpi xmlns:a14="http://schemas.microsoft.com/office/drawing/2010/main" val="0"/>
@@ -6105,9 +6201,10 @@
           <a:lstStyle/>
           <a:p>
             <a:r>
-              <a:rPr lang="en-US" dirty="0"/>
-              <a:t>Lesson Objectives</a:t>
-            </a:r>
+              <a:rPr lang="en-US" dirty="0" err="1"/>
+              <a:t>Objetivos</a:t>
+            </a:r>
+            <a:endParaRPr lang="en-US" dirty="0"/>
           </a:p>
         </p:txBody>
       </p:sp>
@@ -6128,39 +6225,44 @@
           </a:xfrm>
         </p:spPr>
         <p:txBody>
-          <a:bodyPr/>
+          <a:bodyPr>
+            <a:normAutofit/>
+          </a:bodyPr>
           <a:lstStyle/>
           <a:p>
             <a:r>
-              <a:rPr lang="en-US" dirty="0"/>
-              <a:t>Learn how to create and name projects </a:t>
-            </a:r>
-          </a:p>
-          <a:p>
-            <a:r>
-              <a:rPr lang="en-US" dirty="0"/>
-              <a:t>Learn how to duplicate and delete projects</a:t>
-            </a:r>
-          </a:p>
-          <a:p>
-            <a:r>
-              <a:rPr lang="en-US" dirty="0"/>
-              <a:t>Learn how to copy code across projects</a:t>
-            </a:r>
-          </a:p>
-          <a:p>
-            <a:r>
-              <a:rPr lang="en-US" dirty="0"/>
-              <a:t>Learn how to order your projects on your Hub</a:t>
-            </a:r>
-          </a:p>
-          <a:p>
-            <a:r>
-              <a:rPr lang="en-US" dirty="0"/>
-              <a:t>Learn how to share project files</a:t>
-            </a:r>
-          </a:p>
-          <a:p>
+              <a:rPr lang="pt-BR" dirty="0"/>
+              <a:t>Aprender a criar e nomear projetos</a:t>
+            </a:r>
+          </a:p>
+          <a:p>
+            <a:r>
+              <a:rPr lang="pt-BR" dirty="0"/>
+              <a:t>Aprender a duplicar e deletar projetos</a:t>
+            </a:r>
+          </a:p>
+          <a:p>
+            <a:r>
+              <a:rPr lang="pt-BR" dirty="0"/>
+              <a:t>Aprender a copiar código entre projetos</a:t>
+            </a:r>
+          </a:p>
+          <a:p>
+            <a:r>
+              <a:rPr lang="pt-BR" dirty="0"/>
+              <a:t>Aprender a ordenar projetos no Hub</a:t>
+            </a:r>
+          </a:p>
+          <a:p>
+            <a:r>
+              <a:rPr lang="pt-BR" dirty="0"/>
+              <a:t>Aprender a compartilhar projetos</a:t>
+            </a:r>
+          </a:p>
+          <a:p>
+            <a:pPr marL="0" indent="0">
+              <a:buNone/>
+            </a:pPr>
             <a:endParaRPr lang="en-US" dirty="0"/>
           </a:p>
           <a:p>
@@ -6271,9 +6373,18 @@
           <a:lstStyle/>
           <a:p>
             <a:r>
+              <a:rPr lang="en-US" dirty="0" err="1"/>
+              <a:t>Criando</a:t>
+            </a:r>
+            <a:r>
               <a:rPr lang="en-US" dirty="0"/>
-              <a:t>Create PROJECTS</a:t>
-            </a:r>
+              <a:t> </a:t>
+            </a:r>
+            <a:r>
+              <a:rPr lang="en-US" dirty="0" err="1"/>
+              <a:t>projetos</a:t>
+            </a:r>
+            <a:endParaRPr lang="en-US" dirty="0"/>
           </a:p>
         </p:txBody>
       </p:sp>
@@ -6420,8 +6531,21 @@
                   <a:schemeClr val="tx1"/>
                 </a:solidFill>
               </a:rPr>
-              <a:t>New Project</a:t>
-            </a:r>
+              <a:t>Novo </a:t>
+            </a:r>
+            <a:r>
+              <a:rPr lang="en-US" sz="1200" dirty="0" err="1">
+                <a:solidFill>
+                  <a:schemeClr val="tx1"/>
+                </a:solidFill>
+              </a:rPr>
+              <a:t>projeto</a:t>
+            </a:r>
+            <a:endParaRPr lang="en-US" sz="1200" dirty="0">
+              <a:solidFill>
+                <a:schemeClr val="tx1"/>
+              </a:solidFill>
+            </a:endParaRPr>
           </a:p>
         </p:txBody>
       </p:sp>
@@ -6510,7 +6634,39 @@
             </a:pPr>
             <a:r>
               <a:rPr lang="en-US" dirty="0"/>
-              <a:t>To create a new project, click on the + sign on the top right.  </a:t>
+              <a:t>Para </a:t>
+            </a:r>
+            <a:r>
+              <a:rPr lang="en-US" dirty="0" err="1"/>
+              <a:t>criar</a:t>
+            </a:r>
+            <a:r>
+              <a:rPr lang="en-US" dirty="0"/>
+              <a:t> um novo </a:t>
+            </a:r>
+            <a:r>
+              <a:rPr lang="en-US" dirty="0" err="1"/>
+              <a:t>projeto</a:t>
+            </a:r>
+            <a:r>
+              <a:rPr lang="en-US" dirty="0"/>
+              <a:t> clique </a:t>
+            </a:r>
+            <a:r>
+              <a:rPr lang="en-US" dirty="0" err="1"/>
+              <a:t>em</a:t>
+            </a:r>
+            <a:r>
+              <a:rPr lang="en-US" dirty="0"/>
+              <a:t> + no canto superior </a:t>
+            </a:r>
+            <a:r>
+              <a:rPr lang="en-US" dirty="0" err="1"/>
+              <a:t>esquerdo</a:t>
+            </a:r>
+            <a:r>
+              <a:rPr lang="en-US" dirty="0"/>
+              <a:t> </a:t>
             </a:r>
           </a:p>
         </p:txBody>
@@ -6615,13 +6771,40 @@
         </p:nvSpPr>
         <p:spPr/>
         <p:txBody>
-          <a:bodyPr/>
+          <a:bodyPr>
+            <a:normAutofit fontScale="90000"/>
+          </a:bodyPr>
           <a:lstStyle/>
           <a:p>
             <a:r>
+              <a:rPr lang="en-US" dirty="0" err="1"/>
+              <a:t>Deletando</a:t>
+            </a:r>
+            <a:r>
               <a:rPr lang="en-US" dirty="0"/>
-              <a:t>Delete, duplicate, rename PROJECTS</a:t>
-            </a:r>
+              <a:t>, </a:t>
+            </a:r>
+            <a:r>
+              <a:rPr lang="en-US" dirty="0" err="1"/>
+              <a:t>duplicando</a:t>
+            </a:r>
+            <a:r>
+              <a:rPr lang="en-US" dirty="0"/>
+              <a:t> e </a:t>
+            </a:r>
+            <a:r>
+              <a:rPr lang="en-US" dirty="0" err="1"/>
+              <a:t>renomeando</a:t>
+            </a:r>
+            <a:r>
+              <a:rPr lang="en-US" dirty="0"/>
+              <a:t> </a:t>
+            </a:r>
+            <a:r>
+              <a:rPr lang="en-US" dirty="0" err="1"/>
+              <a:t>projetos</a:t>
+            </a:r>
+            <a:endParaRPr lang="en-US" dirty="0"/>
           </a:p>
         </p:txBody>
       </p:sp>
@@ -6654,21 +6837,21 @@
           <a:lstStyle/>
           <a:p>
             <a:r>
-              <a:rPr lang="en-US" dirty="0"/>
-              <a:t>My Projects shows a list of the projects you have made.</a:t>
-            </a:r>
-          </a:p>
-          <a:p>
-            <a:endParaRPr lang="en-US" dirty="0"/>
-          </a:p>
-          <a:p>
-            <a:r>
-              <a:rPr lang="en-US" dirty="0"/>
-              <a:t>To edit an existing project click on the edit icon [1] and then select the project you want to modify. Select the desired action (delete/duplicate/rename) [2].</a:t>
-            </a:r>
-          </a:p>
-          <a:p>
-            <a:endParaRPr lang="en-US" dirty="0"/>
+              <a:rPr lang="pt-BR" dirty="0"/>
+              <a:t>Meus projetos mostra uma lista de projetos que você fez</a:t>
+            </a:r>
+          </a:p>
+          <a:p>
+            <a:r>
+              <a:rPr lang="pt-BR" dirty="0"/>
+              <a:t>Para editar um projeto existente clique no ícone de edição (1) e então selecione o projeto o qual deseja modificar. Selecione a ação desejada (deletar/duplicar/renomear[2])</a:t>
+            </a:r>
+          </a:p>
+          <a:p>
+            <a:pPr marL="0" indent="0">
+              <a:buNone/>
+            </a:pPr>
+            <a:endParaRPr lang="pt-BR" dirty="0"/>
           </a:p>
         </p:txBody>
       </p:sp>
@@ -7062,9 +7245,26 @@
           <a:lstStyle/>
           <a:p>
             <a:r>
+              <a:rPr lang="en-US" dirty="0" err="1"/>
+              <a:t>Outra</a:t>
+            </a:r>
+            <a:r>
               <a:rPr lang="en-US" dirty="0"/>
-              <a:t>Another way to Rename projects</a:t>
-            </a:r>
+              <a:t> forma de </a:t>
+            </a:r>
+            <a:r>
+              <a:rPr lang="en-US" dirty="0" err="1"/>
+              <a:t>renomear</a:t>
+            </a:r>
+            <a:r>
+              <a:rPr lang="en-US" dirty="0"/>
+              <a:t> </a:t>
+            </a:r>
+            <a:r>
+              <a:rPr lang="en-US" dirty="0" err="1"/>
+              <a:t>projetos</a:t>
+            </a:r>
+            <a:endParaRPr lang="en-US" dirty="0"/>
           </a:p>
         </p:txBody>
       </p:sp>
@@ -7236,8 +7436,8 @@
           <a:lstStyle/>
           <a:p>
             <a:r>
-              <a:rPr lang="en-US" dirty="0"/>
-              <a:t>The … next to the Project name lets to rename projects and also move them to a different location</a:t>
+              <a:rPr lang="pt-BR" dirty="0"/>
+              <a:t>Os ...  ao lado do nome do projeto também permitem renomear e mover projetos</a:t>
             </a:r>
           </a:p>
         </p:txBody>
@@ -7323,9 +7523,18 @@
           <a:lstStyle/>
           <a:p>
             <a:r>
+              <a:rPr lang="en-US" dirty="0" err="1"/>
+              <a:t>Ordenando</a:t>
+            </a:r>
+            <a:r>
               <a:rPr lang="en-US" dirty="0"/>
-              <a:t>Ordering projects</a:t>
-            </a:r>
+              <a:t> </a:t>
+            </a:r>
+            <a:r>
+              <a:rPr lang="en-US" dirty="0" err="1"/>
+              <a:t>projetos</a:t>
+            </a:r>
+            <a:endParaRPr lang="en-US" dirty="0"/>
           </a:p>
         </p:txBody>
       </p:sp>
@@ -7760,26 +7969,26 @@
           </a:lstStyle>
           <a:p>
             <a:r>
-              <a:rPr lang="en-US" dirty="0"/>
-              <a:t>The Download/Run Icon lets you pick the mode to download</a:t>
-            </a:r>
-          </a:p>
-          <a:p>
-            <a:r>
-              <a:rPr lang="en-US" dirty="0"/>
-              <a:t>This is also where you can select what “slot” on the Hub you want your project to be saved in</a:t>
-            </a:r>
-          </a:p>
-          <a:p>
-            <a:r>
-              <a:rPr lang="en-US" dirty="0"/>
-              <a:t>Use the arrow to change the number from 0 to any number between 0-19</a:t>
-            </a:r>
-          </a:p>
-          <a:p>
-            <a:r>
-              <a:rPr lang="en-US" dirty="0"/>
-              <a:t>The Hub can store up to 20 programs</a:t>
+              <a:rPr lang="pt-BR" dirty="0"/>
+              <a:t>O ícone baixar/executar permite a você escolher o modo de Download.</a:t>
+            </a:r>
+          </a:p>
+          <a:p>
+            <a:r>
+              <a:rPr lang="pt-BR" dirty="0"/>
+              <a:t>Aqui é também onde você pode selecionar em qual “slot” do Hub deseja salvar seu projeto.</a:t>
+            </a:r>
+          </a:p>
+          <a:p>
+            <a:r>
+              <a:rPr lang="pt-BR" dirty="0"/>
+              <a:t>Use a seta para mudar o número para um valor entre 0 e 19.</a:t>
+            </a:r>
+          </a:p>
+          <a:p>
+            <a:r>
+              <a:rPr lang="pt-BR" dirty="0"/>
+              <a:t>O Hub suporta até 20 programas</a:t>
             </a:r>
           </a:p>
         </p:txBody>
@@ -8013,9 +8222,26 @@
           <a:lstStyle/>
           <a:p>
             <a:r>
+              <a:rPr lang="en-US" dirty="0" err="1"/>
+              <a:t>Mudando</a:t>
+            </a:r>
+            <a:r>
               <a:rPr lang="en-US" dirty="0"/>
-              <a:t>CHANGING THE ORDER OF PROJECTS</a:t>
-            </a:r>
+              <a:t> a </a:t>
+            </a:r>
+            <a:r>
+              <a:rPr lang="en-US" dirty="0" err="1"/>
+              <a:t>ordem</a:t>
+            </a:r>
+            <a:r>
+              <a:rPr lang="en-US" dirty="0"/>
+              <a:t> dos </a:t>
+            </a:r>
+            <a:r>
+              <a:rPr lang="en-US" dirty="0" err="1"/>
+              <a:t>projetos</a:t>
+            </a:r>
+            <a:endParaRPr lang="en-US" dirty="0"/>
           </a:p>
         </p:txBody>
       </p:sp>
@@ -8048,20 +8274,20 @@
           <a:lstStyle/>
           <a:p>
             <a:r>
-              <a:rPr lang="en-US" dirty="0"/>
-              <a:t>The Hub Dashboard lets to view all the projects currently on the Hub and reorder them</a:t>
-            </a:r>
-          </a:p>
-          <a:p>
-            <a:r>
-              <a:rPr lang="en-US" dirty="0"/>
-              <a:t>Press the Trashcan icon to delete projects from the Hub</a:t>
-            </a:r>
-          </a:p>
-          <a:p>
-            <a:r>
-              <a:rPr lang="en-US" dirty="0"/>
-              <a:t>Press and hold the equal sign icon (=) to drag a project into a new position</a:t>
+              <a:rPr lang="pt-BR" dirty="0"/>
+              <a:t>O Hub Dashboard permite a você visualizar todos os programas do Hub e reordena-los.</a:t>
+            </a:r>
+          </a:p>
+          <a:p>
+            <a:r>
+              <a:rPr lang="pt-BR" dirty="0"/>
+              <a:t>Clique na lata de lixo para deletar um programa</a:t>
+            </a:r>
+          </a:p>
+          <a:p>
+            <a:r>
+              <a:rPr lang="pt-BR" dirty="0"/>
+              <a:t>Pressione e segure o sinal de igual (=) para reordenar um programa</a:t>
             </a:r>
           </a:p>
         </p:txBody>
@@ -8395,9 +8621,18 @@
           <a:lstStyle/>
           <a:p>
             <a:r>
+              <a:rPr lang="en-US" dirty="0" err="1"/>
+              <a:t>Compartilhando</a:t>
+            </a:r>
+            <a:r>
               <a:rPr lang="en-US" dirty="0"/>
-              <a:t>Sharing projects</a:t>
-            </a:r>
+              <a:t> </a:t>
+            </a:r>
+            <a:r>
+              <a:rPr lang="en-US" dirty="0" err="1"/>
+              <a:t>projetos</a:t>
+            </a:r>
+            <a:endParaRPr lang="en-US" dirty="0"/>
           </a:p>
         </p:txBody>
       </p:sp>
@@ -8428,34 +8663,47 @@
           <a:lstStyle/>
           <a:p>
             <a:r>
-              <a:rPr lang="en-US" dirty="0"/>
-              <a:t>SPIKE Prime files have a .</a:t>
-            </a:r>
-            <a:r>
-              <a:rPr lang="en-US" dirty="0" err="1"/>
+              <a:rPr lang="pt-BR" dirty="0"/>
+              <a:t>Os arquivos do Spike Prime tem a extensão .</a:t>
+            </a:r>
+            <a:r>
+              <a:rPr lang="pt-BR" dirty="0" err="1"/>
               <a:t>llsp</a:t>
             </a:r>
-            <a:r>
-              <a:rPr lang="en-US" dirty="0"/>
-              <a:t> extension. </a:t>
-            </a:r>
-          </a:p>
-          <a:p>
-            <a:r>
-              <a:rPr lang="en-US" dirty="0"/>
-              <a:t>You can find all the files saved in your My Documents folder inside a folder called LEGO Education SPIKE Prime</a:t>
-            </a:r>
-          </a:p>
-          <a:p>
-            <a:r>
-              <a:rPr lang="en-US" dirty="0"/>
-              <a:t>You can email or share these files with anyone</a:t>
-            </a:r>
-          </a:p>
-          <a:p>
-            <a:r>
-              <a:rPr lang="en-US" dirty="0"/>
-              <a:t>Projects do auto-save, however, it is good practice to backup your program files</a:t>
+            <a:endParaRPr lang="pt-BR" dirty="0"/>
+          </a:p>
+          <a:p>
+            <a:r>
+              <a:rPr lang="pt-BR" dirty="0"/>
+              <a:t>Você pode achar todos os arquivos salvos em na pasta Meus Documentos dentro da pasta LEGO </a:t>
+            </a:r>
+            <a:r>
+              <a:rPr lang="pt-BR" dirty="0" err="1"/>
+              <a:t>Education</a:t>
+            </a:r>
+            <a:r>
+              <a:rPr lang="pt-BR" dirty="0"/>
+              <a:t> SPIKE Prime</a:t>
+            </a:r>
+          </a:p>
+          <a:p>
+            <a:r>
+              <a:rPr lang="pt-BR" dirty="0"/>
+              <a:t>Você enviar estes arquivos via </a:t>
+            </a:r>
+            <a:r>
+              <a:rPr lang="pt-BR" dirty="0" err="1"/>
+              <a:t>email</a:t>
+            </a:r>
+            <a:r>
+              <a:rPr lang="pt-BR" dirty="0"/>
+              <a:t> para qualquer um</a:t>
+            </a:r>
+          </a:p>
+          <a:p>
+            <a:r>
+              <a:rPr lang="pt-BR" dirty="0"/>
+              <a:t>Os projetos tem salvamento automático, mas é uma boa prática manter um backup.</a:t>
             </a:r>
           </a:p>
         </p:txBody>
@@ -8592,7 +8840,7 @@
         </p:nvSpPr>
         <p:spPr>
           <a:xfrm>
-            <a:off x="271658" y="3815512"/>
+            <a:off x="271658" y="4117608"/>
             <a:ext cx="5084996" cy="1597360"/>
           </a:xfrm>
           <a:prstGeom prst="rect">
@@ -8621,12 +8869,12 @@
               <a:buChar char=""/>
             </a:pPr>
             <a:r>
-              <a:rPr lang="en-US" dirty="0">
+              <a:rPr lang="pt-BR" dirty="0">
                 <a:solidFill>
                   <a:schemeClr val="tx2"/>
                 </a:solidFill>
               </a:rPr>
-              <a:t>In the iOS App version,  go to My Projects. </a:t>
+              <a:t>Na versão para IOS, vá para Meus Projetos</a:t>
             </a:r>
           </a:p>
           <a:p>
@@ -8645,12 +8893,12 @@
               <a:buChar char=""/>
             </a:pPr>
             <a:r>
-              <a:rPr lang="en-US" dirty="0">
+              <a:rPr lang="pt-BR" dirty="0">
                 <a:solidFill>
                   <a:schemeClr val="tx2"/>
                 </a:solidFill>
               </a:rPr>
-              <a:t>Click on the Edit Icon [1]</a:t>
+              <a:t>Clique no ícone de Edição (1)</a:t>
             </a:r>
           </a:p>
           <a:p>
@@ -8669,12 +8917,12 @@
               <a:buChar char=""/>
             </a:pPr>
             <a:r>
-              <a:rPr lang="en-US" dirty="0">
+              <a:rPr lang="pt-BR" dirty="0">
                 <a:solidFill>
                   <a:schemeClr val="tx2"/>
                 </a:solidFill>
               </a:rPr>
-              <a:t>Pick the Project you want to share [2]</a:t>
+              <a:t>Escolha o projeto que deseja compartilhar [2]</a:t>
             </a:r>
           </a:p>
           <a:p>
@@ -8693,12 +8941,12 @@
               <a:buChar char=""/>
             </a:pPr>
             <a:r>
-              <a:rPr lang="en-US" dirty="0">
+              <a:rPr lang="pt-BR" dirty="0">
                 <a:solidFill>
                   <a:schemeClr val="tx2"/>
                 </a:solidFill>
               </a:rPr>
-              <a:t>Select Share from the bottom menu [3]</a:t>
+              <a:t>Selecione Compartilhar no menu inferior [3]</a:t>
             </a:r>
           </a:p>
         </p:txBody>
@@ -9046,9 +9294,18 @@
           <a:lstStyle/>
           <a:p>
             <a:r>
+              <a:rPr lang="en-US" dirty="0" err="1"/>
+              <a:t>Copiando</a:t>
+            </a:r>
+            <a:r>
               <a:rPr lang="en-US" dirty="0"/>
-              <a:t>Copying code between projects</a:t>
-            </a:r>
+              <a:t> Código entre </a:t>
+            </a:r>
+            <a:r>
+              <a:rPr lang="en-US" dirty="0" err="1"/>
+              <a:t>projetos</a:t>
+            </a:r>
+            <a:endParaRPr lang="en-US" dirty="0"/>
           </a:p>
         </p:txBody>
       </p:sp>
@@ -9079,20 +9336,20 @@
           <a:lstStyle/>
           <a:p>
             <a:r>
-              <a:rPr lang="en-US" dirty="0"/>
-              <a:t>Click on the program stack you wish to copy to another project</a:t>
-            </a:r>
-          </a:p>
-          <a:p>
-            <a:r>
-              <a:rPr lang="en-US" dirty="0"/>
-              <a:t>Hit CTRL-C to Copy the stack (⌘ Command-C on Mac OS X)</a:t>
-            </a:r>
-          </a:p>
-          <a:p>
-            <a:r>
-              <a:rPr lang="en-US" dirty="0"/>
-              <a:t>Go to the other project file and hit CTRL-V (PASTE) (⌘ Command-V on Mac OS X)</a:t>
+              <a:rPr lang="pt-BR" dirty="0"/>
+              <a:t>Clique nos blocos que você deseja copiar para outro projeto</a:t>
+            </a:r>
+          </a:p>
+          <a:p>
+            <a:r>
+              <a:rPr lang="pt-BR" dirty="0"/>
+              <a:t>Aperte CTRL-C para copiar </a:t>
+            </a:r>
+          </a:p>
+          <a:p>
+            <a:r>
+              <a:rPr lang="pt-BR" dirty="0"/>
+              <a:t>Vá para o outro projeto e clique em CTRL-V para colar</a:t>
             </a:r>
           </a:p>
         </p:txBody>
